--- a/project3_Scott.pptx
+++ b/project3_Scott.pptx
@@ -14179,7 +14179,7 @@
             <a:pPr algn="ctr"/>
             <a:r>
               <a:rPr lang="en-US"/>
-              <a:t>CVS</a:t>
+              <a:t>CSV</a:t>
             </a:r>
           </a:p>
         </p:txBody>
@@ -14901,7 +14901,7 @@
             <a:pPr lvl="1"/>
             <a:r>
               <a:rPr lang="en-US"/>
-              <a:t>1.3 GB CVS file</a:t>
+              <a:t>1.3 GB CSV file</a:t>
             </a:r>
           </a:p>
           <a:p>
@@ -14932,7 +14932,7 @@
             <a:pPr lvl="1"/>
             <a:r>
               <a:rPr lang="en-US"/>
-              <a:t>Load in CVS, transform and then export to SQLite</a:t>
+              <a:t>Load in CSV, transform and then export to SQLite</a:t>
             </a:r>
           </a:p>
         </p:txBody>
@@ -15025,14 +15025,14 @@
             <a:pPr lvl="1"/>
             <a:r>
               <a:rPr lang="en-US"/>
-              <a:t>Group by DOT District</a:t>
+              <a:t>Group by DOT District and year</a:t>
             </a:r>
           </a:p>
           <a:p>
             <a:pPr lvl="1"/>
             <a:r>
               <a:rPr lang="en-US"/>
-              <a:t>Calculate day of week, time of day and determine top 100 meters</a:t>
+              <a:t>Calculate day of week, time of day and determine top 100 parking meters</a:t>
             </a:r>
           </a:p>
           <a:p>
